--- a/SupplementaryMaterials/figures.pptx
+++ b/SupplementaryMaterials/figures.pptx
@@ -7,6 +7,7 @@
   <p:sldIdLst>
     <p:sldId id="256" r:id="rId2"/>
     <p:sldId id="257" r:id="rId3"/>
+    <p:sldId id="258" r:id="rId4"/>
   </p:sldIdLst>
   <p:sldSz cx="12192000" cy="6858000"/>
   <p:notesSz cx="6858000" cy="9144000"/>
@@ -244,7 +245,7 @@
           <a:p>
             <a:fld id="{1B078DFB-81E7-4294-8B15-2F359DB8807C}" type="datetimeFigureOut">
               <a:rPr lang="en-US" smtClean="0"/>
-              <a:t>3/12/2019</a:t>
+              <a:t>3/19/2019</a:t>
             </a:fld>
             <a:endParaRPr lang="en-US"/>
           </a:p>
@@ -414,7 +415,7 @@
           <a:p>
             <a:fld id="{1B078DFB-81E7-4294-8B15-2F359DB8807C}" type="datetimeFigureOut">
               <a:rPr lang="en-US" smtClean="0"/>
-              <a:t>3/12/2019</a:t>
+              <a:t>3/19/2019</a:t>
             </a:fld>
             <a:endParaRPr lang="en-US"/>
           </a:p>
@@ -594,7 +595,7 @@
           <a:p>
             <a:fld id="{1B078DFB-81E7-4294-8B15-2F359DB8807C}" type="datetimeFigureOut">
               <a:rPr lang="en-US" smtClean="0"/>
-              <a:t>3/12/2019</a:t>
+              <a:t>3/19/2019</a:t>
             </a:fld>
             <a:endParaRPr lang="en-US"/>
           </a:p>
@@ -764,7 +765,7 @@
           <a:p>
             <a:fld id="{1B078DFB-81E7-4294-8B15-2F359DB8807C}" type="datetimeFigureOut">
               <a:rPr lang="en-US" smtClean="0"/>
-              <a:t>3/12/2019</a:t>
+              <a:t>3/19/2019</a:t>
             </a:fld>
             <a:endParaRPr lang="en-US"/>
           </a:p>
@@ -1010,7 +1011,7 @@
           <a:p>
             <a:fld id="{1B078DFB-81E7-4294-8B15-2F359DB8807C}" type="datetimeFigureOut">
               <a:rPr lang="en-US" smtClean="0"/>
-              <a:t>3/12/2019</a:t>
+              <a:t>3/19/2019</a:t>
             </a:fld>
             <a:endParaRPr lang="en-US"/>
           </a:p>
@@ -1242,7 +1243,7 @@
           <a:p>
             <a:fld id="{1B078DFB-81E7-4294-8B15-2F359DB8807C}" type="datetimeFigureOut">
               <a:rPr lang="en-US" smtClean="0"/>
-              <a:t>3/12/2019</a:t>
+              <a:t>3/19/2019</a:t>
             </a:fld>
             <a:endParaRPr lang="en-US"/>
           </a:p>
@@ -1609,7 +1610,7 @@
           <a:p>
             <a:fld id="{1B078DFB-81E7-4294-8B15-2F359DB8807C}" type="datetimeFigureOut">
               <a:rPr lang="en-US" smtClean="0"/>
-              <a:t>3/12/2019</a:t>
+              <a:t>3/19/2019</a:t>
             </a:fld>
             <a:endParaRPr lang="en-US"/>
           </a:p>
@@ -1727,7 +1728,7 @@
           <a:p>
             <a:fld id="{1B078DFB-81E7-4294-8B15-2F359DB8807C}" type="datetimeFigureOut">
               <a:rPr lang="en-US" smtClean="0"/>
-              <a:t>3/12/2019</a:t>
+              <a:t>3/19/2019</a:t>
             </a:fld>
             <a:endParaRPr lang="en-US"/>
           </a:p>
@@ -1822,7 +1823,7 @@
           <a:p>
             <a:fld id="{1B078DFB-81E7-4294-8B15-2F359DB8807C}" type="datetimeFigureOut">
               <a:rPr lang="en-US" smtClean="0"/>
-              <a:t>3/12/2019</a:t>
+              <a:t>3/19/2019</a:t>
             </a:fld>
             <a:endParaRPr lang="en-US"/>
           </a:p>
@@ -2099,7 +2100,7 @@
           <a:p>
             <a:fld id="{1B078DFB-81E7-4294-8B15-2F359DB8807C}" type="datetimeFigureOut">
               <a:rPr lang="en-US" smtClean="0"/>
-              <a:t>3/12/2019</a:t>
+              <a:t>3/19/2019</a:t>
             </a:fld>
             <a:endParaRPr lang="en-US"/>
           </a:p>
@@ -2352,7 +2353,7 @@
           <a:p>
             <a:fld id="{1B078DFB-81E7-4294-8B15-2F359DB8807C}" type="datetimeFigureOut">
               <a:rPr lang="en-US" smtClean="0"/>
-              <a:t>3/12/2019</a:t>
+              <a:t>3/19/2019</a:t>
             </a:fld>
             <a:endParaRPr lang="en-US"/>
           </a:p>
@@ -2565,7 +2566,7 @@
           <a:p>
             <a:fld id="{1B078DFB-81E7-4294-8B15-2F359DB8807C}" type="datetimeFigureOut">
               <a:rPr lang="en-US" smtClean="0"/>
-              <a:t>3/12/2019</a:t>
+              <a:t>3/19/2019</a:t>
             </a:fld>
             <a:endParaRPr lang="en-US"/>
           </a:p>
@@ -6462,6 +6463,686 @@
 </p:sld>
 </file>
 
+<file path=ppt/slides/slide3.xml><?xml version="1.0" encoding="utf-8"?>
+<p:sld xmlns:a="http://schemas.openxmlformats.org/drawingml/2006/main" xmlns:r="http://schemas.openxmlformats.org/officeDocument/2006/relationships" xmlns:p="http://schemas.openxmlformats.org/presentationml/2006/main">
+  <p:cSld>
+    <p:spTree>
+      <p:nvGrpSpPr>
+        <p:cNvPr id="1" name=""/>
+        <p:cNvGrpSpPr/>
+        <p:nvPr/>
+      </p:nvGrpSpPr>
+      <p:grpSpPr>
+        <a:xfrm>
+          <a:off x="0" y="0"/>
+          <a:ext cx="0" cy="0"/>
+          <a:chOff x="0" y="0"/>
+          <a:chExt cx="0" cy="0"/>
+        </a:xfrm>
+      </p:grpSpPr>
+      <p:pic>
+        <p:nvPicPr>
+          <p:cNvPr id="29" name="Picture 28"/>
+          <p:cNvPicPr>
+            <a:picLocks noChangeAspect="1"/>
+          </p:cNvPicPr>
+          <p:nvPr/>
+        </p:nvPicPr>
+        <p:blipFill>
+          <a:blip r:embed="rId2"/>
+          <a:stretch>
+            <a:fillRect/>
+          </a:stretch>
+        </p:blipFill>
+        <p:spPr>
+          <a:xfrm>
+            <a:off x="7419212" y="992124"/>
+            <a:ext cx="1945005" cy="1777631"/>
+          </a:xfrm>
+          <a:prstGeom prst="rect">
+            <a:avLst/>
+          </a:prstGeom>
+        </p:spPr>
+      </p:pic>
+      <p:sp>
+        <p:nvSpPr>
+          <p:cNvPr id="4" name="Rounded Rectangle 3"/>
+          <p:cNvSpPr/>
+          <p:nvPr/>
+        </p:nvSpPr>
+        <p:spPr>
+          <a:xfrm>
+            <a:off x="4645152" y="704088"/>
+            <a:ext cx="1810512" cy="576072"/>
+          </a:xfrm>
+          <a:prstGeom prst="roundRect">
+            <a:avLst/>
+          </a:prstGeom>
+        </p:spPr>
+        <p:style>
+          <a:lnRef idx="1">
+            <a:schemeClr val="accent4"/>
+          </a:lnRef>
+          <a:fillRef idx="2">
+            <a:schemeClr val="accent4"/>
+          </a:fillRef>
+          <a:effectRef idx="1">
+            <a:schemeClr val="accent4"/>
+          </a:effectRef>
+          <a:fontRef idx="minor">
+            <a:schemeClr val="dk1"/>
+          </a:fontRef>
+        </p:style>
+        <p:txBody>
+          <a:bodyPr rtlCol="0" anchor="ctr"/>
+          <a:lstStyle/>
+          <a:p>
+            <a:pPr algn="ctr"/>
+            <a:r>
+              <a:rPr lang="en-US" dirty="0" smtClean="0">
+                <a:latin typeface="Times New Roman" panose="02020603050405020304" pitchFamily="18" charset="0"/>
+                <a:cs typeface="Times New Roman" panose="02020603050405020304" pitchFamily="18" charset="0"/>
+              </a:rPr>
+              <a:t>Audio Content</a:t>
+            </a:r>
+            <a:endParaRPr lang="en-US" dirty="0">
+              <a:latin typeface="Times New Roman" panose="02020603050405020304" pitchFamily="18" charset="0"/>
+              <a:cs typeface="Times New Roman" panose="02020603050405020304" pitchFamily="18" charset="0"/>
+            </a:endParaRPr>
+          </a:p>
+        </p:txBody>
+      </p:sp>
+      <p:cxnSp>
+        <p:nvCxnSpPr>
+          <p:cNvPr id="5" name="Straight Arrow Connector 4"/>
+          <p:cNvCxnSpPr/>
+          <p:nvPr/>
+        </p:nvCxnSpPr>
+        <p:spPr>
+          <a:xfrm>
+            <a:off x="5550408" y="1280160"/>
+            <a:ext cx="0" cy="694944"/>
+          </a:xfrm>
+          <a:prstGeom prst="straightConnector1">
+            <a:avLst/>
+          </a:prstGeom>
+          <a:ln w="38100">
+            <a:solidFill>
+              <a:schemeClr val="accent4"/>
+            </a:solidFill>
+            <a:tailEnd type="triangle"/>
+          </a:ln>
+        </p:spPr>
+        <p:style>
+          <a:lnRef idx="1">
+            <a:schemeClr val="accent1"/>
+          </a:lnRef>
+          <a:fillRef idx="0">
+            <a:schemeClr val="accent1"/>
+          </a:fillRef>
+          <a:effectRef idx="0">
+            <a:schemeClr val="accent1"/>
+          </a:effectRef>
+          <a:fontRef idx="minor">
+            <a:schemeClr val="tx1"/>
+          </a:fontRef>
+        </p:style>
+      </p:cxnSp>
+      <p:cxnSp>
+        <p:nvCxnSpPr>
+          <p:cNvPr id="7" name="Straight Arrow Connector 6"/>
+          <p:cNvCxnSpPr/>
+          <p:nvPr/>
+        </p:nvCxnSpPr>
+        <p:spPr>
+          <a:xfrm flipH="1">
+            <a:off x="4187952" y="1280160"/>
+            <a:ext cx="1362456" cy="694944"/>
+          </a:xfrm>
+          <a:prstGeom prst="straightConnector1">
+            <a:avLst/>
+          </a:prstGeom>
+          <a:ln w="38100">
+            <a:solidFill>
+              <a:schemeClr val="accent4"/>
+            </a:solidFill>
+            <a:tailEnd type="triangle"/>
+          </a:ln>
+        </p:spPr>
+        <p:style>
+          <a:lnRef idx="1">
+            <a:schemeClr val="accent1"/>
+          </a:lnRef>
+          <a:fillRef idx="0">
+            <a:schemeClr val="accent1"/>
+          </a:fillRef>
+          <a:effectRef idx="0">
+            <a:schemeClr val="accent1"/>
+          </a:effectRef>
+          <a:fontRef idx="minor">
+            <a:schemeClr val="tx1"/>
+          </a:fontRef>
+        </p:style>
+      </p:cxnSp>
+      <p:cxnSp>
+        <p:nvCxnSpPr>
+          <p:cNvPr id="11" name="Straight Arrow Connector 10"/>
+          <p:cNvCxnSpPr/>
+          <p:nvPr/>
+        </p:nvCxnSpPr>
+        <p:spPr>
+          <a:xfrm>
+            <a:off x="5550408" y="1280160"/>
+            <a:ext cx="1435608" cy="694944"/>
+          </a:xfrm>
+          <a:prstGeom prst="straightConnector1">
+            <a:avLst/>
+          </a:prstGeom>
+          <a:ln w="38100">
+            <a:solidFill>
+              <a:schemeClr val="accent4"/>
+            </a:solidFill>
+            <a:tailEnd type="triangle"/>
+          </a:ln>
+        </p:spPr>
+        <p:style>
+          <a:lnRef idx="1">
+            <a:schemeClr val="accent1"/>
+          </a:lnRef>
+          <a:fillRef idx="0">
+            <a:schemeClr val="accent1"/>
+          </a:fillRef>
+          <a:effectRef idx="0">
+            <a:schemeClr val="accent1"/>
+          </a:effectRef>
+          <a:fontRef idx="minor">
+            <a:schemeClr val="tx1"/>
+          </a:fontRef>
+        </p:style>
+      </p:cxnSp>
+      <p:sp>
+        <p:nvSpPr>
+          <p:cNvPr id="16" name="Rounded Rectangle 15"/>
+          <p:cNvSpPr/>
+          <p:nvPr/>
+        </p:nvSpPr>
+        <p:spPr>
+          <a:xfrm>
+            <a:off x="3539868" y="1975104"/>
+            <a:ext cx="1275588" cy="448056"/>
+          </a:xfrm>
+          <a:prstGeom prst="roundRect">
+            <a:avLst/>
+          </a:prstGeom>
+        </p:spPr>
+        <p:style>
+          <a:lnRef idx="1">
+            <a:schemeClr val="accent1"/>
+          </a:lnRef>
+          <a:fillRef idx="2">
+            <a:schemeClr val="accent1"/>
+          </a:fillRef>
+          <a:effectRef idx="1">
+            <a:schemeClr val="accent1"/>
+          </a:effectRef>
+          <a:fontRef idx="minor">
+            <a:schemeClr val="dk1"/>
+          </a:fontRef>
+        </p:style>
+        <p:txBody>
+          <a:bodyPr rtlCol="0" anchor="ctr"/>
+          <a:lstStyle/>
+          <a:p>
+            <a:pPr algn="ctr"/>
+            <a:r>
+              <a:rPr lang="en-US" sz="1400" dirty="0" smtClean="0">
+                <a:latin typeface="Times New Roman" panose="02020603050405020304" pitchFamily="18" charset="0"/>
+                <a:cs typeface="Times New Roman" panose="02020603050405020304" pitchFamily="18" charset="0"/>
+              </a:rPr>
+              <a:t>Speech</a:t>
+            </a:r>
+            <a:endParaRPr lang="en-US" sz="1400" dirty="0">
+              <a:latin typeface="Times New Roman" panose="02020603050405020304" pitchFamily="18" charset="0"/>
+              <a:cs typeface="Times New Roman" panose="02020603050405020304" pitchFamily="18" charset="0"/>
+            </a:endParaRPr>
+          </a:p>
+        </p:txBody>
+      </p:sp>
+      <p:sp>
+        <p:nvSpPr>
+          <p:cNvPr id="17" name="Rounded Rectangle 16"/>
+          <p:cNvSpPr/>
+          <p:nvPr/>
+        </p:nvSpPr>
+        <p:spPr>
+          <a:xfrm>
+            <a:off x="4912613" y="1975104"/>
+            <a:ext cx="1275588" cy="448056"/>
+          </a:xfrm>
+          <a:prstGeom prst="roundRect">
+            <a:avLst/>
+          </a:prstGeom>
+        </p:spPr>
+        <p:style>
+          <a:lnRef idx="1">
+            <a:schemeClr val="accent1"/>
+          </a:lnRef>
+          <a:fillRef idx="2">
+            <a:schemeClr val="accent1"/>
+          </a:fillRef>
+          <a:effectRef idx="1">
+            <a:schemeClr val="accent1"/>
+          </a:effectRef>
+          <a:fontRef idx="minor">
+            <a:schemeClr val="dk1"/>
+          </a:fontRef>
+        </p:style>
+        <p:txBody>
+          <a:bodyPr rtlCol="0" anchor="ctr"/>
+          <a:lstStyle/>
+          <a:p>
+            <a:pPr algn="ctr"/>
+            <a:r>
+              <a:rPr lang="en-US" sz="1400" dirty="0" smtClean="0">
+                <a:latin typeface="Times New Roman" panose="02020603050405020304" pitchFamily="18" charset="0"/>
+                <a:cs typeface="Times New Roman" panose="02020603050405020304" pitchFamily="18" charset="0"/>
+              </a:rPr>
+              <a:t>Music</a:t>
+            </a:r>
+            <a:endParaRPr lang="en-US" sz="1400" dirty="0">
+              <a:latin typeface="Times New Roman" panose="02020603050405020304" pitchFamily="18" charset="0"/>
+              <a:cs typeface="Times New Roman" panose="02020603050405020304" pitchFamily="18" charset="0"/>
+            </a:endParaRPr>
+          </a:p>
+        </p:txBody>
+      </p:sp>
+      <p:sp>
+        <p:nvSpPr>
+          <p:cNvPr id="18" name="Rounded Rectangle 17"/>
+          <p:cNvSpPr/>
+          <p:nvPr/>
+        </p:nvSpPr>
+        <p:spPr>
+          <a:xfrm>
+            <a:off x="6285358" y="1975104"/>
+            <a:ext cx="1275588" cy="448056"/>
+          </a:xfrm>
+          <a:prstGeom prst="roundRect">
+            <a:avLst/>
+          </a:prstGeom>
+        </p:spPr>
+        <p:style>
+          <a:lnRef idx="1">
+            <a:schemeClr val="accent1"/>
+          </a:lnRef>
+          <a:fillRef idx="2">
+            <a:schemeClr val="accent1"/>
+          </a:fillRef>
+          <a:effectRef idx="1">
+            <a:schemeClr val="accent1"/>
+          </a:effectRef>
+          <a:fontRef idx="minor">
+            <a:schemeClr val="dk1"/>
+          </a:fontRef>
+        </p:style>
+        <p:txBody>
+          <a:bodyPr rtlCol="0" anchor="ctr"/>
+          <a:lstStyle/>
+          <a:p>
+            <a:pPr algn="ctr"/>
+            <a:r>
+              <a:rPr lang="en-US" sz="1400" dirty="0" smtClean="0">
+                <a:latin typeface="Times New Roman" panose="02020603050405020304" pitchFamily="18" charset="0"/>
+                <a:cs typeface="Times New Roman" panose="02020603050405020304" pitchFamily="18" charset="0"/>
+              </a:rPr>
+              <a:t>Environment</a:t>
+            </a:r>
+            <a:endParaRPr lang="en-US" sz="1400" dirty="0">
+              <a:latin typeface="Times New Roman" panose="02020603050405020304" pitchFamily="18" charset="0"/>
+              <a:cs typeface="Times New Roman" panose="02020603050405020304" pitchFamily="18" charset="0"/>
+            </a:endParaRPr>
+          </a:p>
+        </p:txBody>
+      </p:sp>
+      <p:sp>
+        <p:nvSpPr>
+          <p:cNvPr id="19" name="Down Arrow 18"/>
+          <p:cNvSpPr/>
+          <p:nvPr/>
+        </p:nvSpPr>
+        <p:spPr>
+          <a:xfrm>
+            <a:off x="4138801" y="2459736"/>
+            <a:ext cx="2823211" cy="740664"/>
+          </a:xfrm>
+          <a:prstGeom prst="downArrow">
+            <a:avLst>
+              <a:gd name="adj1" fmla="val 50000"/>
+              <a:gd name="adj2" fmla="val 50855"/>
+            </a:avLst>
+          </a:prstGeom>
+          <a:noFill/>
+          <a:ln w="9525" cap="flat" cmpd="sng" algn="ctr">
+            <a:solidFill>
+              <a:schemeClr val="accent4"/>
+            </a:solidFill>
+            <a:prstDash val="solid"/>
+            <a:round/>
+            <a:headEnd type="none" w="med" len="med"/>
+            <a:tailEnd type="none" w="med" len="med"/>
+          </a:ln>
+        </p:spPr>
+        <p:style>
+          <a:lnRef idx="0">
+            <a:scrgbClr r="0" g="0" b="0"/>
+          </a:lnRef>
+          <a:fillRef idx="0">
+            <a:scrgbClr r="0" g="0" b="0"/>
+          </a:fillRef>
+          <a:effectRef idx="0">
+            <a:scrgbClr r="0" g="0" b="0"/>
+          </a:effectRef>
+          <a:fontRef idx="minor">
+            <a:schemeClr val="accent4"/>
+          </a:fontRef>
+        </p:style>
+        <p:txBody>
+          <a:bodyPr rtlCol="0" anchor="ctr"/>
+          <a:lstStyle/>
+          <a:p>
+            <a:pPr algn="ctr"/>
+            <a:endParaRPr lang="en-US">
+              <a:latin typeface="Times New Roman" panose="02020603050405020304" pitchFamily="18" charset="0"/>
+              <a:cs typeface="Times New Roman" panose="02020603050405020304" pitchFamily="18" charset="0"/>
+            </a:endParaRPr>
+          </a:p>
+        </p:txBody>
+      </p:sp>
+      <p:sp>
+        <p:nvSpPr>
+          <p:cNvPr id="21" name="Oval 20"/>
+          <p:cNvSpPr/>
+          <p:nvPr/>
+        </p:nvSpPr>
+        <p:spPr>
+          <a:xfrm>
+            <a:off x="3483863" y="3200400"/>
+            <a:ext cx="2322577" cy="713232"/>
+          </a:xfrm>
+          <a:prstGeom prst="ellipse">
+            <a:avLst/>
+          </a:prstGeom>
+          <a:solidFill>
+            <a:schemeClr val="accent6">
+              <a:alpha val="50000"/>
+            </a:schemeClr>
+          </a:solidFill>
+          <a:ln>
+            <a:noFill/>
+          </a:ln>
+        </p:spPr>
+        <p:style>
+          <a:lnRef idx="0">
+            <a:scrgbClr r="0" g="0" b="0"/>
+          </a:lnRef>
+          <a:fillRef idx="0">
+            <a:scrgbClr r="0" g="0" b="0"/>
+          </a:fillRef>
+          <a:effectRef idx="0">
+            <a:scrgbClr r="0" g="0" b="0"/>
+          </a:effectRef>
+          <a:fontRef idx="minor">
+            <a:schemeClr val="lt1"/>
+          </a:fontRef>
+        </p:style>
+        <p:txBody>
+          <a:bodyPr rtlCol="0" anchor="ctr"/>
+          <a:lstStyle/>
+          <a:p>
+            <a:pPr algn="ctr"/>
+            <a:r>
+              <a:rPr lang="en-US" dirty="0" smtClean="0">
+                <a:solidFill>
+                  <a:schemeClr val="tx1"/>
+                </a:solidFill>
+              </a:rPr>
+              <a:t>Tagging(Speech, Music, </a:t>
+            </a:r>
+            <a:r>
+              <a:rPr lang="en-US" dirty="0" err="1" smtClean="0">
+                <a:solidFill>
+                  <a:schemeClr val="tx1"/>
+                </a:solidFill>
+              </a:rPr>
+              <a:t>etc</a:t>
+            </a:r>
+            <a:r>
+              <a:rPr lang="en-US" dirty="0" smtClean="0">
+                <a:solidFill>
+                  <a:schemeClr val="tx1"/>
+                </a:solidFill>
+              </a:rPr>
+              <a:t>)</a:t>
+            </a:r>
+            <a:endParaRPr lang="en-US" dirty="0">
+              <a:solidFill>
+                <a:schemeClr val="tx1"/>
+              </a:solidFill>
+            </a:endParaRPr>
+          </a:p>
+        </p:txBody>
+      </p:sp>
+      <p:sp>
+        <p:nvSpPr>
+          <p:cNvPr id="26" name="Oval 25"/>
+          <p:cNvSpPr/>
+          <p:nvPr/>
+        </p:nvSpPr>
+        <p:spPr>
+          <a:xfrm>
+            <a:off x="1625724" y="3200400"/>
+            <a:ext cx="2322577" cy="713232"/>
+          </a:xfrm>
+          <a:prstGeom prst="ellipse">
+            <a:avLst/>
+          </a:prstGeom>
+          <a:solidFill>
+            <a:schemeClr val="accent6">
+              <a:alpha val="50000"/>
+            </a:schemeClr>
+          </a:solidFill>
+          <a:ln>
+            <a:noFill/>
+          </a:ln>
+        </p:spPr>
+        <p:style>
+          <a:lnRef idx="0">
+            <a:scrgbClr r="0" g="0" b="0"/>
+          </a:lnRef>
+          <a:fillRef idx="0">
+            <a:scrgbClr r="0" g="0" b="0"/>
+          </a:fillRef>
+          <a:effectRef idx="0">
+            <a:scrgbClr r="0" g="0" b="0"/>
+          </a:effectRef>
+          <a:fontRef idx="minor">
+            <a:schemeClr val="lt1"/>
+          </a:fontRef>
+        </p:style>
+        <p:txBody>
+          <a:bodyPr rtlCol="0" anchor="ctr"/>
+          <a:lstStyle/>
+          <a:p>
+            <a:pPr algn="ctr"/>
+            <a:r>
+              <a:rPr lang="en-US" dirty="0" smtClean="0">
+                <a:solidFill>
+                  <a:schemeClr val="tx1"/>
+                </a:solidFill>
+              </a:rPr>
+              <a:t>Genre Classification</a:t>
+            </a:r>
+            <a:endParaRPr lang="en-US" dirty="0">
+              <a:solidFill>
+                <a:schemeClr val="tx1"/>
+              </a:solidFill>
+            </a:endParaRPr>
+          </a:p>
+        </p:txBody>
+      </p:sp>
+      <p:sp>
+        <p:nvSpPr>
+          <p:cNvPr id="27" name="Oval 26"/>
+          <p:cNvSpPr/>
+          <p:nvPr/>
+        </p:nvSpPr>
+        <p:spPr>
+          <a:xfrm>
+            <a:off x="5342002" y="3200400"/>
+            <a:ext cx="2322577" cy="713232"/>
+          </a:xfrm>
+          <a:prstGeom prst="ellipse">
+            <a:avLst/>
+          </a:prstGeom>
+          <a:solidFill>
+            <a:schemeClr val="accent6">
+              <a:alpha val="50000"/>
+            </a:schemeClr>
+          </a:solidFill>
+          <a:ln>
+            <a:noFill/>
+          </a:ln>
+        </p:spPr>
+        <p:style>
+          <a:lnRef idx="0">
+            <a:scrgbClr r="0" g="0" b="0"/>
+          </a:lnRef>
+          <a:fillRef idx="0">
+            <a:scrgbClr r="0" g="0" b="0"/>
+          </a:fillRef>
+          <a:effectRef idx="0">
+            <a:scrgbClr r="0" g="0" b="0"/>
+          </a:effectRef>
+          <a:fontRef idx="minor">
+            <a:schemeClr val="lt1"/>
+          </a:fontRef>
+        </p:style>
+        <p:txBody>
+          <a:bodyPr rtlCol="0" anchor="ctr"/>
+          <a:lstStyle/>
+          <a:p>
+            <a:pPr algn="ctr"/>
+            <a:r>
+              <a:rPr lang="en-US" dirty="0" smtClean="0">
+                <a:solidFill>
+                  <a:schemeClr val="tx1"/>
+                </a:solidFill>
+              </a:rPr>
+              <a:t>Hit Prediction</a:t>
+            </a:r>
+            <a:endParaRPr lang="en-US" dirty="0">
+              <a:solidFill>
+                <a:schemeClr val="tx1"/>
+              </a:solidFill>
+            </a:endParaRPr>
+          </a:p>
+        </p:txBody>
+      </p:sp>
+      <p:sp>
+        <p:nvSpPr>
+          <p:cNvPr id="28" name="Oval 27"/>
+          <p:cNvSpPr/>
+          <p:nvPr/>
+        </p:nvSpPr>
+        <p:spPr>
+          <a:xfrm>
+            <a:off x="7200141" y="3200400"/>
+            <a:ext cx="2322577" cy="713232"/>
+          </a:xfrm>
+          <a:prstGeom prst="ellipse">
+            <a:avLst/>
+          </a:prstGeom>
+          <a:solidFill>
+            <a:schemeClr val="accent6">
+              <a:alpha val="50000"/>
+            </a:schemeClr>
+          </a:solidFill>
+          <a:ln>
+            <a:noFill/>
+          </a:ln>
+        </p:spPr>
+        <p:style>
+          <a:lnRef idx="0">
+            <a:scrgbClr r="0" g="0" b="0"/>
+          </a:lnRef>
+          <a:fillRef idx="0">
+            <a:scrgbClr r="0" g="0" b="0"/>
+          </a:fillRef>
+          <a:effectRef idx="0">
+            <a:scrgbClr r="0" g="0" b="0"/>
+          </a:effectRef>
+          <a:fontRef idx="minor">
+            <a:schemeClr val="lt1"/>
+          </a:fontRef>
+        </p:style>
+        <p:txBody>
+          <a:bodyPr rtlCol="0" anchor="ctr"/>
+          <a:lstStyle/>
+          <a:p>
+            <a:pPr algn="ctr"/>
+            <a:r>
+              <a:rPr lang="en-US" dirty="0" smtClean="0">
+                <a:solidFill>
+                  <a:schemeClr val="tx1"/>
+                </a:solidFill>
+              </a:rPr>
+              <a:t>Playlist Generation</a:t>
+            </a:r>
+            <a:endParaRPr lang="en-US" dirty="0">
+              <a:solidFill>
+                <a:schemeClr val="tx1"/>
+              </a:solidFill>
+            </a:endParaRPr>
+          </a:p>
+        </p:txBody>
+      </p:sp>
+      <p:pic>
+        <p:nvPicPr>
+          <p:cNvPr id="30" name="Picture 29"/>
+          <p:cNvPicPr>
+            <a:picLocks noChangeAspect="1"/>
+          </p:cNvPicPr>
+          <p:nvPr/>
+        </p:nvPicPr>
+        <p:blipFill>
+          <a:blip r:embed="rId3"/>
+          <a:stretch>
+            <a:fillRect/>
+          </a:stretch>
+        </p:blipFill>
+        <p:spPr>
+          <a:xfrm>
+            <a:off x="1809652" y="823523"/>
+            <a:ext cx="1721550" cy="1946232"/>
+          </a:xfrm>
+          <a:prstGeom prst="rect">
+            <a:avLst/>
+          </a:prstGeom>
+        </p:spPr>
+      </p:pic>
+    </p:spTree>
+    <p:extLst>
+      <p:ext uri="{BB962C8B-B14F-4D97-AF65-F5344CB8AC3E}">
+        <p14:creationId xmlns:p14="http://schemas.microsoft.com/office/powerpoint/2010/main" val="1503641979"/>
+      </p:ext>
+    </p:extLst>
+  </p:cSld>
+  <p:clrMapOvr>
+    <a:masterClrMapping/>
+  </p:clrMapOvr>
+</p:sld>
+</file>
+
 <file path=ppt/theme/theme1.xml><?xml version="1.0" encoding="utf-8"?>
 <a:theme xmlns:a="http://schemas.openxmlformats.org/drawingml/2006/main" name="Office Theme">
   <a:themeElements>
